--- a/Documents/Proposed Automation Testing  Approach.pptx
+++ b/Documents/Proposed Automation Testing  Approach.pptx
@@ -320,7 +320,7 @@
           <a:p>
             <a:fld id="{C131DC5E-BD3F-48C1-9909-87DC9793B5BF}" type="datetimeFigureOut">
               <a:rPr lang="en-US" smtClean="0"/>
-              <a:t>2/8/2019</a:t>
+              <a:t>6/9/2019</a:t>
             </a:fld>
             <a:endParaRPr lang="en-US"/>
           </a:p>
@@ -510,7 +510,7 @@
           <a:p>
             <a:fld id="{C131DC5E-BD3F-48C1-9909-87DC9793B5BF}" type="datetimeFigureOut">
               <a:rPr lang="en-US" smtClean="0"/>
-              <a:t>2/8/2019</a:t>
+              <a:t>6/9/2019</a:t>
             </a:fld>
             <a:endParaRPr lang="en-US"/>
           </a:p>
@@ -690,7 +690,7 @@
           <a:p>
             <a:fld id="{C131DC5E-BD3F-48C1-9909-87DC9793B5BF}" type="datetimeFigureOut">
               <a:rPr lang="en-US" smtClean="0"/>
-              <a:t>2/8/2019</a:t>
+              <a:t>6/9/2019</a:t>
             </a:fld>
             <a:endParaRPr lang="en-US"/>
           </a:p>
@@ -789,7 +789,7 @@
           <a:graphicData uri="http://schemas.openxmlformats.org/presentationml/2006/ole">
             <mc:AlternateContent xmlns:mc="http://schemas.openxmlformats.org/markup-compatibility/2006">
               <mc:Choice xmlns:v="urn:schemas-microsoft-com:vml" Requires="v">
-                <p:oleObj spid="_x0000_s3081" name="think-cell Slide" r:id="rId4" imgW="473" imgH="468" progId="TCLayout.ActiveDocument.1">
+                <p:oleObj spid="_x0000_s3084" name="think-cell Slide" r:id="rId4" imgW="473" imgH="468" progId="TCLayout.ActiveDocument.1">
                   <p:embed/>
                 </p:oleObj>
               </mc:Choice>
@@ -1335,7 +1335,7 @@
           <a:graphicData uri="http://schemas.openxmlformats.org/presentationml/2006/ole">
             <mc:AlternateContent xmlns:mc="http://schemas.openxmlformats.org/markup-compatibility/2006">
               <mc:Choice xmlns:v="urn:schemas-microsoft-com:vml" Requires="v">
-                <p:oleObj spid="_x0000_s4105" name="think-cell Slide" r:id="rId4" imgW="359" imgH="360" progId="TCLayout.ActiveDocument.1">
+                <p:oleObj spid="_x0000_s4108" name="think-cell Slide" r:id="rId4" imgW="359" imgH="360" progId="TCLayout.ActiveDocument.1">
                   <p:embed/>
                 </p:oleObj>
               </mc:Choice>
@@ -1815,7 +1815,7 @@
           <a:p>
             <a:fld id="{C131DC5E-BD3F-48C1-9909-87DC9793B5BF}" type="datetimeFigureOut">
               <a:rPr lang="en-US" smtClean="0"/>
-              <a:t>2/8/2019</a:t>
+              <a:t>6/9/2019</a:t>
             </a:fld>
             <a:endParaRPr lang="en-US"/>
           </a:p>
@@ -2071,7 +2071,7 @@
           <a:p>
             <a:fld id="{C131DC5E-BD3F-48C1-9909-87DC9793B5BF}" type="datetimeFigureOut">
               <a:rPr lang="en-US" smtClean="0"/>
-              <a:t>2/8/2019</a:t>
+              <a:t>6/9/2019</a:t>
             </a:fld>
             <a:endParaRPr lang="en-US"/>
           </a:p>
@@ -2359,7 +2359,7 @@
           <a:p>
             <a:fld id="{C131DC5E-BD3F-48C1-9909-87DC9793B5BF}" type="datetimeFigureOut">
               <a:rPr lang="en-US" smtClean="0"/>
-              <a:t>2/8/2019</a:t>
+              <a:t>6/9/2019</a:t>
             </a:fld>
             <a:endParaRPr lang="en-US"/>
           </a:p>
@@ -2797,7 +2797,7 @@
           <a:p>
             <a:fld id="{C131DC5E-BD3F-48C1-9909-87DC9793B5BF}" type="datetimeFigureOut">
               <a:rPr lang="en-US" smtClean="0"/>
-              <a:t>2/8/2019</a:t>
+              <a:t>6/9/2019</a:t>
             </a:fld>
             <a:endParaRPr lang="en-US"/>
           </a:p>
@@ -2915,7 +2915,7 @@
           <a:p>
             <a:fld id="{C131DC5E-BD3F-48C1-9909-87DC9793B5BF}" type="datetimeFigureOut">
               <a:rPr lang="en-US" smtClean="0"/>
-              <a:t>2/8/2019</a:t>
+              <a:t>6/9/2019</a:t>
             </a:fld>
             <a:endParaRPr lang="en-US"/>
           </a:p>
@@ -3010,7 +3010,7 @@
           <a:p>
             <a:fld id="{C131DC5E-BD3F-48C1-9909-87DC9793B5BF}" type="datetimeFigureOut">
               <a:rPr lang="en-US" smtClean="0"/>
-              <a:t>2/8/2019</a:t>
+              <a:t>6/9/2019</a:t>
             </a:fld>
             <a:endParaRPr lang="en-US"/>
           </a:p>
@@ -3366,7 +3366,7 @@
           <a:p>
             <a:fld id="{C131DC5E-BD3F-48C1-9909-87DC9793B5BF}" type="datetimeFigureOut">
               <a:rPr lang="en-US" smtClean="0"/>
-              <a:t>2/8/2019</a:t>
+              <a:t>6/9/2019</a:t>
             </a:fld>
             <a:endParaRPr lang="en-US"/>
           </a:p>
@@ -3682,7 +3682,7 @@
           <a:p>
             <a:fld id="{C131DC5E-BD3F-48C1-9909-87DC9793B5BF}" type="datetimeFigureOut">
               <a:rPr lang="en-US" smtClean="0"/>
-              <a:t>2/8/2019</a:t>
+              <a:t>6/9/2019</a:t>
             </a:fld>
             <a:endParaRPr lang="en-US"/>
           </a:p>
@@ -3915,7 +3915,7 @@
           <a:p>
             <a:fld id="{C131DC5E-BD3F-48C1-9909-87DC9793B5BF}" type="datetimeFigureOut">
               <a:rPr lang="en-US" smtClean="0"/>
-              <a:t>2/8/2019</a:t>
+              <a:t>6/9/2019</a:t>
             </a:fld>
             <a:endParaRPr lang="en-US"/>
           </a:p>
@@ -4827,31 +4827,6 @@
           </a:p>
         </p:txBody>
       </p:sp>
-      <p:sp>
-        <p:nvSpPr>
-          <p:cNvPr id="7" name="Text Placeholder 6">
-            <a:extLst>
-              <a:ext uri="{FF2B5EF4-FFF2-40B4-BE49-F238E27FC236}">
-                <a16:creationId xmlns:a16="http://schemas.microsoft.com/office/drawing/2014/main" id="{B3069813-E6CD-4CD4-B0BB-6EF3FEBB453E}"/>
-              </a:ext>
-            </a:extLst>
-          </p:cNvPr>
-          <p:cNvSpPr>
-            <a:spLocks noGrp="1"/>
-          </p:cNvSpPr>
-          <p:nvPr>
-            <p:ph type="body" sz="quarter" idx="13"/>
-          </p:nvPr>
-        </p:nvSpPr>
-        <p:spPr/>
-        <p:txBody>
-          <a:bodyPr/>
-          <a:lstStyle/>
-          <a:p>
-            <a:endParaRPr lang="en-US"/>
-          </a:p>
-        </p:txBody>
-      </p:sp>
       <p:pic>
         <p:nvPicPr>
           <p:cNvPr id="6" name="Picture 5"/>
@@ -5033,31 +5008,6 @@
           </a:p>
         </p:txBody>
       </p:sp>
-      <p:sp>
-        <p:nvSpPr>
-          <p:cNvPr id="6" name="Text Placeholder 5">
-            <a:extLst>
-              <a:ext uri="{FF2B5EF4-FFF2-40B4-BE49-F238E27FC236}">
-                <a16:creationId xmlns:a16="http://schemas.microsoft.com/office/drawing/2014/main" id="{9FB7C033-6A73-44B5-A70D-D32750C3EA50}"/>
-              </a:ext>
-            </a:extLst>
-          </p:cNvPr>
-          <p:cNvSpPr>
-            <a:spLocks noGrp="1"/>
-          </p:cNvSpPr>
-          <p:nvPr>
-            <p:ph type="body" sz="quarter" idx="13"/>
-          </p:nvPr>
-        </p:nvSpPr>
-        <p:spPr/>
-        <p:txBody>
-          <a:bodyPr/>
-          <a:lstStyle/>
-          <a:p>
-            <a:endParaRPr lang="en-US"/>
-          </a:p>
-        </p:txBody>
-      </p:sp>
       <p:pic>
         <p:nvPicPr>
           <p:cNvPr id="567300" name="Picture 4" descr="Related image">
@@ -5271,31 +5221,6 @@
           </a:p>
           <a:p>
             <a:endParaRPr lang="en-GB" dirty="0"/>
-          </a:p>
-        </p:txBody>
-      </p:sp>
-      <p:sp>
-        <p:nvSpPr>
-          <p:cNvPr id="7" name="Text Placeholder 6">
-            <a:extLst>
-              <a:ext uri="{FF2B5EF4-FFF2-40B4-BE49-F238E27FC236}">
-                <a16:creationId xmlns:a16="http://schemas.microsoft.com/office/drawing/2014/main" id="{6C66AF6D-A043-4699-9ACD-C87C3759B143}"/>
-              </a:ext>
-            </a:extLst>
-          </p:cNvPr>
-          <p:cNvSpPr>
-            <a:spLocks noGrp="1"/>
-          </p:cNvSpPr>
-          <p:nvPr>
-            <p:ph type="body" sz="quarter" idx="13"/>
-          </p:nvPr>
-        </p:nvSpPr>
-        <p:spPr/>
-        <p:txBody>
-          <a:bodyPr/>
-          <a:lstStyle/>
-          <a:p>
-            <a:endParaRPr lang="en-US"/>
           </a:p>
         </p:txBody>
       </p:sp>
@@ -5579,31 +5504,6 @@
           </a:p>
         </p:txBody>
       </p:sp>
-      <p:sp>
-        <p:nvSpPr>
-          <p:cNvPr id="7" name="Text Placeholder 6">
-            <a:extLst>
-              <a:ext uri="{FF2B5EF4-FFF2-40B4-BE49-F238E27FC236}">
-                <a16:creationId xmlns:a16="http://schemas.microsoft.com/office/drawing/2014/main" id="{20E6F95D-6FBB-4FA3-A46B-93386A0C05FA}"/>
-              </a:ext>
-            </a:extLst>
-          </p:cNvPr>
-          <p:cNvSpPr>
-            <a:spLocks noGrp="1"/>
-          </p:cNvSpPr>
-          <p:nvPr>
-            <p:ph type="body" sz="quarter" idx="13"/>
-          </p:nvPr>
-        </p:nvSpPr>
-        <p:spPr/>
-        <p:txBody>
-          <a:bodyPr/>
-          <a:lstStyle/>
-          <a:p>
-            <a:endParaRPr lang="en-US"/>
-          </a:p>
-        </p:txBody>
-      </p:sp>
       <p:pic>
         <p:nvPicPr>
           <p:cNvPr id="8" name="Picture 7">
@@ -5625,7 +5525,7 @@
         </p:blipFill>
         <p:spPr>
           <a:xfrm>
-            <a:off x="5934008" y="1645918"/>
+            <a:off x="6656005" y="1724776"/>
             <a:ext cx="4984715" cy="2697726"/>
           </a:xfrm>
           <a:prstGeom prst="rect">
@@ -5843,31 +5743,6 @@
           </a:p>
         </p:txBody>
       </p:sp>
-      <p:sp>
-        <p:nvSpPr>
-          <p:cNvPr id="7" name="Text Placeholder 6">
-            <a:extLst>
-              <a:ext uri="{FF2B5EF4-FFF2-40B4-BE49-F238E27FC236}">
-                <a16:creationId xmlns:a16="http://schemas.microsoft.com/office/drawing/2014/main" id="{C4EA7883-5C24-4270-9DCB-6827A85757CD}"/>
-              </a:ext>
-            </a:extLst>
-          </p:cNvPr>
-          <p:cNvSpPr>
-            <a:spLocks noGrp="1"/>
-          </p:cNvSpPr>
-          <p:nvPr>
-            <p:ph type="body" sz="quarter" idx="13"/>
-          </p:nvPr>
-        </p:nvSpPr>
-        <p:spPr/>
-        <p:txBody>
-          <a:bodyPr/>
-          <a:lstStyle/>
-          <a:p>
-            <a:endParaRPr lang="en-US"/>
-          </a:p>
-        </p:txBody>
-      </p:sp>
       <p:pic>
         <p:nvPicPr>
           <p:cNvPr id="4" name="Picture 3"/>
@@ -6046,56 +5921,6 @@
           </a:p>
         </p:txBody>
       </p:sp>
-      <p:sp>
-        <p:nvSpPr>
-          <p:cNvPr id="3" name="Text Placeholder 2">
-            <a:extLst>
-              <a:ext uri="{FF2B5EF4-FFF2-40B4-BE49-F238E27FC236}">
-                <a16:creationId xmlns:a16="http://schemas.microsoft.com/office/drawing/2014/main" id="{2038F4E2-C8AC-47FF-A585-24325C35A18B}"/>
-              </a:ext>
-            </a:extLst>
-          </p:cNvPr>
-          <p:cNvSpPr>
-            <a:spLocks noGrp="1"/>
-          </p:cNvSpPr>
-          <p:nvPr>
-            <p:ph type="body" sz="quarter" idx="13"/>
-          </p:nvPr>
-        </p:nvSpPr>
-        <p:spPr/>
-        <p:txBody>
-          <a:bodyPr/>
-          <a:lstStyle/>
-          <a:p>
-            <a:endParaRPr lang="en-US"/>
-          </a:p>
-        </p:txBody>
-      </p:sp>
-      <p:sp>
-        <p:nvSpPr>
-          <p:cNvPr id="5" name="Text Placeholder 4">
-            <a:extLst>
-              <a:ext uri="{FF2B5EF4-FFF2-40B4-BE49-F238E27FC236}">
-                <a16:creationId xmlns:a16="http://schemas.microsoft.com/office/drawing/2014/main" id="{9F9814EA-1873-4731-8E6F-F1F449048D53}"/>
-              </a:ext>
-            </a:extLst>
-          </p:cNvPr>
-          <p:cNvSpPr>
-            <a:spLocks noGrp="1"/>
-          </p:cNvSpPr>
-          <p:nvPr>
-            <p:ph type="body" sz="quarter" idx="14"/>
-          </p:nvPr>
-        </p:nvSpPr>
-        <p:spPr/>
-        <p:txBody>
-          <a:bodyPr/>
-          <a:lstStyle/>
-          <a:p>
-            <a:endParaRPr lang="en-US"/>
-          </a:p>
-        </p:txBody>
-      </p:sp>
       <p:pic>
         <p:nvPicPr>
           <p:cNvPr id="7" name="Picture 6"/>
@@ -6112,7 +5937,7 @@
         </p:blipFill>
         <p:spPr>
           <a:xfrm>
-            <a:off x="7577703" y="2449880"/>
+            <a:off x="7577703" y="1616161"/>
             <a:ext cx="2635729" cy="1872935"/>
           </a:xfrm>
           <a:prstGeom prst="rect">
@@ -6176,83 +6001,6 @@
               <a:t>The </a:t>
             </a:r>
             <a:endParaRPr lang="en-US" dirty="0"/>
-          </a:p>
-        </p:txBody>
-      </p:sp>
-      <p:sp>
-        <p:nvSpPr>
-          <p:cNvPr id="3" name="Text Placeholder 2">
-            <a:extLst>
-              <a:ext uri="{FF2B5EF4-FFF2-40B4-BE49-F238E27FC236}">
-                <a16:creationId xmlns:a16="http://schemas.microsoft.com/office/drawing/2014/main" id="{9119E62A-3759-426E-9C1D-AA5F14123C6E}"/>
-              </a:ext>
-            </a:extLst>
-          </p:cNvPr>
-          <p:cNvSpPr>
-            <a:spLocks noGrp="1"/>
-          </p:cNvSpPr>
-          <p:nvPr>
-            <p:ph type="body" sz="quarter" idx="11"/>
-          </p:nvPr>
-        </p:nvSpPr>
-        <p:spPr/>
-        <p:txBody>
-          <a:bodyPr/>
-          <a:lstStyle/>
-          <a:p>
-            <a:endParaRPr lang="en-US"/>
-          </a:p>
-        </p:txBody>
-      </p:sp>
-      <p:sp>
-        <p:nvSpPr>
-          <p:cNvPr id="4" name="Title 3">
-            <a:extLst>
-              <a:ext uri="{FF2B5EF4-FFF2-40B4-BE49-F238E27FC236}">
-                <a16:creationId xmlns:a16="http://schemas.microsoft.com/office/drawing/2014/main" id="{935E2671-07F7-414B-B441-DCCD9A7E65B7}"/>
-              </a:ext>
-            </a:extLst>
-          </p:cNvPr>
-          <p:cNvSpPr>
-            <a:spLocks noGrp="1"/>
-          </p:cNvSpPr>
-          <p:nvPr>
-            <p:ph type="title"/>
-          </p:nvPr>
-        </p:nvSpPr>
-        <p:spPr/>
-        <p:txBody>
-          <a:bodyPr>
-            <a:normAutofit fontScale="90000"/>
-          </a:bodyPr>
-          <a:lstStyle/>
-          <a:p>
-            <a:endParaRPr lang="en-US" dirty="0"/>
-          </a:p>
-        </p:txBody>
-      </p:sp>
-      <p:sp>
-        <p:nvSpPr>
-          <p:cNvPr id="5" name="Text Placeholder 4">
-            <a:extLst>
-              <a:ext uri="{FF2B5EF4-FFF2-40B4-BE49-F238E27FC236}">
-                <a16:creationId xmlns:a16="http://schemas.microsoft.com/office/drawing/2014/main" id="{30AF04AC-D360-469D-8217-A7A5485F87BC}"/>
-              </a:ext>
-            </a:extLst>
-          </p:cNvPr>
-          <p:cNvSpPr>
-            <a:spLocks noGrp="1"/>
-          </p:cNvSpPr>
-          <p:nvPr>
-            <p:ph type="body" sz="quarter" idx="14"/>
-          </p:nvPr>
-        </p:nvSpPr>
-        <p:spPr/>
-        <p:txBody>
-          <a:bodyPr/>
-          <a:lstStyle/>
-          <a:p>
-            <a:endParaRPr lang="en-US"/>
           </a:p>
         </p:txBody>
       </p:sp>
